--- a/Decoding Hinglish.pptx
+++ b/Decoding Hinglish.pptx
@@ -3325,6 +3325,10 @@
         <p:txBody>
           <a:bodyPr/>
           <a:p>
+            <a:r>
+              <a:rPr lang="en-US"/>
+              <a:t>LSTM VS CNN</a:t>
+            </a:r>
             <a:endParaRPr lang="en-US"/>
           </a:p>
         </p:txBody>
@@ -3341,8 +3345,34 @@
         </p:nvSpPr>
         <p:spPr/>
         <p:txBody>
-          <a:bodyPr/>
-          <a:p>
+          <a:bodyPr>
+            <a:normAutofit fontScale="60000"/>
+          </a:bodyPr>
+          <a:p>
+            <a:r>
+              <a:rPr lang="en-US"/>
+              <a:t>The comparative study between LSTM and CNN models in decoding Hinglish provided clear insights into their respective capabilities. LSTM models demonstrated superior performance in predicting both English and Hindi from Hinglish inputs, attributed primarily to their proficiency in handling sequential data and maintaining context over longer sequences. This ability is critical in language translation, where understanding the flow and context of conversation ensures accuracy and relevance in the output.</a:t>
+            </a:r>
+            <a:endParaRPr lang="en-US"/>
+          </a:p>
+          <a:p>
+            <a:endParaRPr lang="en-US"/>
+          </a:p>
+          <a:p>
+            <a:r>
+              <a:rPr lang="en-US"/>
+              <a:t>Conversely, CNN models, though excellent for pattern recognition in structured data, struggled with the sequential and contextual demands of language translation. Their performance was markedly lower, indicating difficulties in maintaining the semantic integrity of sentences, a key requirement for effective translation.</a:t>
+            </a:r>
+            <a:endParaRPr lang="en-US"/>
+          </a:p>
+          <a:p>
+            <a:endParaRPr lang="en-US"/>
+          </a:p>
+          <a:p>
+            <a:r>
+              <a:rPr lang="en-US"/>
+              <a:t>The success of LSTM models in this study underscores their suitability for complex language processing tasks, especially in managing the nuances and intricacies of a code-switched language like Hinglish, where preserving the original message's meaning is paramount. This outcome not only highlights the strengths of LSTM models but also signals potential areas for improving CNN architectures to enhance their applicability in natural language processing tasks.</a:t>
+            </a:r>
             <a:endParaRPr lang="en-US"/>
           </a:p>
         </p:txBody>

--- a/Decoding Hinglish.pptx
+++ b/Decoding Hinglish.pptx
@@ -12,6 +12,7 @@
     <p:sldId id="260" r:id="rId7"/>
     <p:sldId id="261" r:id="rId8"/>
     <p:sldId id="262" r:id="rId9"/>
+    <p:sldId id="263" r:id="rId10"/>
   </p:sldIdLst>
   <p:sldSz cx="12192000" cy="6858000"/>
   <p:notesSz cx="6858000" cy="9144000"/>
@@ -3385,6 +3386,68 @@
 </p:sld>
 </file>
 
+<file path=ppt/slides/slide8.xml><?xml version="1.0" encoding="utf-8"?>
+<p:sld xmlns:a="http://schemas.openxmlformats.org/drawingml/2006/main" xmlns:r="http://schemas.openxmlformats.org/officeDocument/2006/relationships" xmlns:p="http://schemas.openxmlformats.org/presentationml/2006/main">
+  <p:cSld>
+    <p:spTree>
+      <p:nvGrpSpPr>
+        <p:cNvPr id="1" name=""/>
+        <p:cNvGrpSpPr/>
+        <p:nvPr/>
+      </p:nvGrpSpPr>
+      <p:grpSpPr/>
+      <p:sp>
+        <p:nvSpPr>
+          <p:cNvPr id="2" name="Title 1"/>
+          <p:cNvSpPr>
+            <a:spLocks noGrp="1"/>
+          </p:cNvSpPr>
+          <p:nvPr>
+            <p:ph type="title"/>
+          </p:nvPr>
+        </p:nvSpPr>
+        <p:spPr/>
+        <p:txBody>
+          <a:bodyPr/>
+          <a:p>
+            <a:r>
+              <a:rPr lang="en-US"/>
+              <a:t>Future Applications &amp; Conclusion</a:t>
+            </a:r>
+            <a:endParaRPr lang="en-US"/>
+          </a:p>
+        </p:txBody>
+      </p:sp>
+      <p:sp>
+        <p:nvSpPr>
+          <p:cNvPr id="3" name="Content Placeholder 2"/>
+          <p:cNvSpPr>
+            <a:spLocks noGrp="1"/>
+          </p:cNvSpPr>
+          <p:nvPr>
+            <p:ph idx="1"/>
+          </p:nvPr>
+        </p:nvSpPr>
+        <p:spPr/>
+        <p:txBody>
+          <a:bodyPr/>
+          <a:p>
+            <a:r>
+              <a:rPr lang="en-US"/>
+              <a:t>Explain all the future applications and give overall conclusion of this project / research.</a:t>
+            </a:r>
+            <a:endParaRPr lang="en-US"/>
+          </a:p>
+        </p:txBody>
+      </p:sp>
+    </p:spTree>
+  </p:cSld>
+  <p:clrMapOvr>
+    <a:masterClrMapping/>
+  </p:clrMapOvr>
+</p:sld>
+</file>
+
 <file path=ppt/theme/theme1.xml><?xml version="1.0" encoding="utf-8"?>
 <a:theme xmlns:a="http://schemas.openxmlformats.org/drawingml/2006/main" name="Office Theme">
   <a:themeElements>
